--- a/site/week-1/week-1.en.md_word.pptx
+++ b/site/week-1/week-1.en.md_word.pptx
@@ -3224,15 +3224,10 @@
             <p:ph type="body" sz="half" idx="2"/>
           </p:nvPr>
         </p:nvSpPr>
-        <p:spPr>
-          <a:xfrm>
-            <a:off x="401891" y="719446"/>
-            <a:ext cx="3008313" cy="3704607"/>
-          </a:xfrm>
-        </p:spPr>
+        <p:spPr/>
         <p:txBody>
           <a:bodyPr>
-            <a:normAutofit fontScale="92500" lnSpcReduction="10000"/>
+            <a:normAutofit/>
           </a:bodyPr>
           <a:lstStyle/>
           <a:p>
@@ -3243,7 +3238,7 @@
               <a:buNone/>
             </a:pPr>
             <a:r>
-              <a:rPr sz="2000" b="1" dirty="0"/>
+              <a:rPr sz="1800" b="1" dirty="0"/>
               <a:t>The Entity-Relationship Model</a:t>
             </a:r>
           </a:p>
@@ -3251,14 +3246,8 @@
             <a:pPr marL="0" lvl="0" indent="0">
               <a:buNone/>
             </a:pPr>
-            <a:endParaRPr lang="tr-TR" sz="2000" dirty="0"/>
-          </a:p>
-          <a:p>
-            <a:pPr marL="0" lvl="0" indent="0">
-              <a:buNone/>
-            </a:pPr>
-            <a:r>
-              <a:rPr sz="2000" dirty="0"/>
+            <a:r>
+              <a:rPr sz="1800" dirty="0"/>
               <a:t>Revealing relationships in data analysis and modeling. It is the tool used to put it on. Entity: Distinguish from other objects in a field. “thing” or “object”. By set of attributes is defined. Relationship: The relationship between more than one entity.</a:t>
             </a:r>
           </a:p>
@@ -3280,7 +3269,7 @@
         </p:blipFill>
         <p:spPr bwMode="auto">
           <a:xfrm>
-            <a:off x="3727196" y="776596"/>
+            <a:off x="3568700" y="431800"/>
             <a:ext cx="5105400" cy="3403600"/>
           </a:xfrm>
           <a:prstGeom prst="rect">
@@ -3496,116 +3485,79 @@
           <a:chExt cx="0" cy="0"/>
         </a:xfrm>
       </p:grpSpPr>
-      <mc:AlternateContent xmlns:mc="http://schemas.openxmlformats.org/markup-compatibility/2006">
-        <mc:Choice xmlns:a14="http://schemas.microsoft.com/office/drawing/2010/main" Requires="a14">
-          <p:sp>
-            <p:nvSpPr>
-              <p:cNvPr id="3" name="Content Placeholder 2"/>
-              <p:cNvSpPr>
-                <a:spLocks noGrp="1"/>
-              </p:cNvSpPr>
-              <p:nvPr>
-                <p:ph idx="1"/>
-              </p:nvPr>
-            </p:nvSpPr>
-            <p:spPr/>
-            <p:txBody>
-              <a:bodyPr/>
-              <a:lstStyle/>
-              <a:p>
-                <a:pPr marL="0" lvl="0" indent="0">
-                  <a:buNone/>
-                </a:pPr>
-                <a14:m>
-                  <m:oMathPara xmlns:m="http://schemas.openxmlformats.org/officeDocument/2006/math">
-                    <m:oMathParaPr>
-                      <m:jc m:val="centerGroup"/>
-                    </m:oMathParaPr>
-                    <m:oMath xmlns:m="http://schemas.openxmlformats.org/officeDocument/2006/math">
-                      <m:r>
-                        <a:rPr>
-                          <a:latin typeface="Cambria Math" panose="02040503050406030204" pitchFamily="18" charset="0"/>
-                        </a:rPr>
-                        <m:t>𝐸𝑛𝑑</m:t>
-                      </m:r>
-                      <m:r>
-                        <a:rPr>
-                          <a:latin typeface="Cambria Math" panose="02040503050406030204" pitchFamily="18" charset="0"/>
-                        </a:rPr>
-                        <m:t>−</m:t>
-                      </m:r>
-                      <m:r>
-                        <a:rPr>
-                          <a:latin typeface="Cambria Math" panose="02040503050406030204" pitchFamily="18" charset="0"/>
-                        </a:rPr>
-                        <m:t>𝑂𝑓</m:t>
-                      </m:r>
-                      <m:r>
-                        <a:rPr>
-                          <a:latin typeface="Cambria Math" panose="02040503050406030204" pitchFamily="18" charset="0"/>
-                        </a:rPr>
-                        <m:t>−</m:t>
-                      </m:r>
-                      <m:r>
-                        <a:rPr>
-                          <a:latin typeface="Cambria Math" panose="02040503050406030204" pitchFamily="18" charset="0"/>
-                        </a:rPr>
-                        <m:t>𝑊𝑒𝑒𝑘</m:t>
-                      </m:r>
-                      <m:r>
-                        <a:rPr>
-                          <a:latin typeface="Cambria Math" panose="02040503050406030204" pitchFamily="18" charset="0"/>
-                        </a:rPr>
-                        <m:t>−1−</m:t>
-                      </m:r>
-                      <m:r>
-                        <a:rPr>
-                          <a:latin typeface="Cambria Math" panose="02040503050406030204" pitchFamily="18" charset="0"/>
-                        </a:rPr>
-                        <m:t>𝑀𝑜𝑑𝑢𝑙𝑒</m:t>
-                      </m:r>
-                    </m:oMath>
-                  </m:oMathPara>
-                </a14:m>
-                <a:endParaRPr/>
-              </a:p>
-            </p:txBody>
-          </p:sp>
-        </mc:Choice>
-        <mc:Fallback>
-          <p:sp>
-            <p:nvSpPr>
-              <p:cNvPr id="3" name="Content Placeholder 2"/>
-              <p:cNvSpPr>
-                <a:spLocks noGrp="1" noRot="1" noChangeAspect="1" noMove="1" noResize="1" noEditPoints="1" noAdjustHandles="1" noChangeArrowheads="1" noChangeShapeType="1" noTextEdit="1"/>
-              </p:cNvSpPr>
-              <p:nvPr>
-                <p:ph idx="1"/>
-              </p:nvPr>
-            </p:nvSpPr>
-            <p:spPr>
-              <a:blipFill>
-                <a:blip r:embed="rId2"/>
-                <a:stretch>
-                  <a:fillRect/>
-                </a:stretch>
-              </a:blipFill>
-            </p:spPr>
-            <p:txBody>
-              <a:bodyPr/>
-              <a:lstStyle/>
-              <a:p>
-                <a:r>
-                  <a:rPr lang="tr-TR">
-                    <a:noFill/>
-                  </a:rPr>
-                  <a:t> </a:t>
-                </a:r>
-              </a:p>
-            </p:txBody>
-          </p:sp>
-        </mc:Fallback>
-      </mc:AlternateContent>
+      <p:sp>
+        <p:nvSpPr>
+          <p:cNvPr id="3" name="Content Placeholder 2"/>
+          <p:cNvSpPr>
+            <a:spLocks noGrp="1"/>
+          </p:cNvSpPr>
+          <p:nvPr>
+            <p:ph idx="1"/>
+          </p:nvPr>
+        </p:nvSpPr>
+        <p:spPr/>
+        <p:txBody>
+          <a:bodyPr/>
+          <a:lstStyle/>
+          <a:p>
+            <a:pPr marL="0" lvl="0" indent="0">
+              <a:buNone/>
+            </a:pPr>
+            <a14:m xmlns:a14="http://schemas.microsoft.com/office/drawing/2010/main">
+              <m:oMathPara xmlns:m="http://schemas.openxmlformats.org/officeDocument/2006/math">
+                <m:oMathParaPr>
+                  <m:jc m:val="centerGroup"/>
+                </m:oMathParaPr>
+                <m:oMath xmlns:m="http://schemas.openxmlformats.org/officeDocument/2006/math">
+                  <m:r>
+                    <a:rPr>
+                      <a:latin typeface="Cambria Math" panose="02040503050406030204" pitchFamily="18" charset="0"/>
+                    </a:rPr>
+                    <m:t>𝐸𝑛𝑑</m:t>
+                  </m:r>
+                  <m:r>
+                    <a:rPr>
+                      <a:latin typeface="Cambria Math" panose="02040503050406030204" pitchFamily="18" charset="0"/>
+                    </a:rPr>
+                    <m:t>−</m:t>
+                  </m:r>
+                  <m:r>
+                    <a:rPr>
+                      <a:latin typeface="Cambria Math" panose="02040503050406030204" pitchFamily="18" charset="0"/>
+                    </a:rPr>
+                    <m:t>𝑂𝑓</m:t>
+                  </m:r>
+                  <m:r>
+                    <a:rPr>
+                      <a:latin typeface="Cambria Math" panose="02040503050406030204" pitchFamily="18" charset="0"/>
+                    </a:rPr>
+                    <m:t>−</m:t>
+                  </m:r>
+                  <m:r>
+                    <a:rPr>
+                      <a:latin typeface="Cambria Math" panose="02040503050406030204" pitchFamily="18" charset="0"/>
+                    </a:rPr>
+                    <m:t>𝑊𝑒𝑒𝑘</m:t>
+                  </m:r>
+                  <m:r>
+                    <a:rPr>
+                      <a:latin typeface="Cambria Math" panose="02040503050406030204" pitchFamily="18" charset="0"/>
+                    </a:rPr>
+                    <m:t>−1−</m:t>
+                  </m:r>
+                  <m:r>
+                    <a:rPr>
+                      <a:latin typeface="Cambria Math" panose="02040503050406030204" pitchFamily="18" charset="0"/>
+                    </a:rPr>
+                    <m:t>𝑀𝑜𝑑𝑢𝑙𝑒</m:t>
+                  </m:r>
+                </m:oMath>
+              </m:oMathPara>
+            </a14:m>
+            <a:endParaRPr/>
+          </a:p>
+        </p:txBody>
+      </p:sp>
     </p:spTree>
   </p:cSld>
   <p:clrMapOvr>
@@ -3827,12 +3779,7 @@
             <p:ph type="title"/>
           </p:nvPr>
         </p:nvSpPr>
-        <p:spPr>
-          <a:xfrm>
-            <a:off x="-1" y="2143125"/>
-            <a:ext cx="2535045" cy="857250"/>
-          </a:xfrm>
-        </p:spPr>
+        <p:spPr/>
         <p:txBody>
           <a:bodyPr/>
           <a:lstStyle/>
@@ -3841,7 +3788,7 @@
               <a:buNone/>
             </a:pPr>
             <a:r>
-              <a:rPr b="1" dirty="0"/>
+              <a:rPr b="1"/>
               <a:t>Database</a:t>
             </a:r>
           </a:p>
@@ -3882,15 +3829,10 @@
             <p:ph idx="1"/>
           </p:nvPr>
         </p:nvSpPr>
-        <p:spPr>
-          <a:xfrm>
-            <a:off x="457200" y="419565"/>
-            <a:ext cx="8229600" cy="3996318"/>
-          </a:xfrm>
-        </p:spPr>
+        <p:spPr/>
         <p:txBody>
           <a:bodyPr>
-            <a:normAutofit fontScale="92500"/>
+            <a:normAutofit fontScale="92500" lnSpcReduction="10000"/>
           </a:bodyPr>
           <a:lstStyle/>
           <a:p>
@@ -3904,11 +3846,6 @@
               <a:rPr b="1" dirty="0"/>
               <a:t>Database</a:t>
             </a:r>
-            <a:endParaRPr lang="tr-TR" b="1" dirty="0"/>
-          </a:p>
-          <a:p>
-            <a:pPr lvl="0"/>
-            <a:endParaRPr lang="tr-TR" b="1" dirty="0"/>
           </a:p>
           <a:p>
             <a:pPr lvl="0"/>
@@ -3926,7 +3863,7 @@
             <a:pPr lvl="0"/>
             <a:r>
               <a:rPr dirty="0"/>
-              <a:t>1-) Database is a regular collection of information. </a:t>
+              <a:t>1-) Database is a regular collection of information.</a:t>
             </a:r>
             <a:endParaRPr lang="tr-TR" dirty="0"/>
           </a:p>
@@ -3934,7 +3871,7 @@
             <a:pPr lvl="0"/>
             <a:r>
               <a:rPr dirty="0"/>
-              <a:t>2-) Database is regular data stored in a computer environment. </a:t>
+              <a:t> 2-) Database is regular data stored in a computer environment. </a:t>
             </a:r>
             <a:endParaRPr lang="tr-TR" dirty="0"/>
           </a:p>
@@ -3990,14 +3927,11 @@
             <p:ph type="body" sz="half" idx="2"/>
           </p:nvPr>
         </p:nvSpPr>
-        <p:spPr>
-          <a:xfrm>
-            <a:off x="620752" y="1180404"/>
-            <a:ext cx="3951248" cy="3518297"/>
-          </a:xfrm>
-        </p:spPr>
-        <p:txBody>
-          <a:bodyPr/>
+        <p:spPr/>
+        <p:txBody>
+          <a:bodyPr>
+            <a:normAutofit/>
+          </a:bodyPr>
           <a:lstStyle/>
           <a:p>
             <a:pPr marL="0" lvl="0" indent="0">
@@ -4017,12 +3951,6 @@
               <a:rPr sz="2000" b="1" dirty="0"/>
               <a:t>What is the Database Management System-DBMS</a:t>
             </a:r>
-          </a:p>
-          <a:p>
-            <a:pPr marL="0" lvl="0" indent="0">
-              <a:buNone/>
-            </a:pPr>
-            <a:endParaRPr lang="tr-TR" sz="2000" dirty="0"/>
           </a:p>
           <a:p>
             <a:pPr marL="0" lvl="0" indent="0">
@@ -4051,8 +3979,8 @@
         </p:blipFill>
         <p:spPr bwMode="auto">
           <a:xfrm>
-            <a:off x="4917068" y="1330712"/>
-            <a:ext cx="3757032" cy="2504688"/>
+            <a:off x="3568700" y="431800"/>
+            <a:ext cx="5105400" cy="3403600"/>
           </a:xfrm>
           <a:prstGeom prst="rect">
             <a:avLst/>
@@ -4065,6 +3993,33 @@
           </a:ln>
         </p:spPr>
       </p:pic>
+      <p:sp>
+        <p:nvSpPr>
+          <p:cNvPr id="3" name="TextBox 3"/>
+          <p:cNvSpPr txBox="1"/>
+          <p:nvPr/>
+        </p:nvSpPr>
+        <p:spPr>
+          <a:xfrm>
+            <a:off x="3568700" y="4076700"/>
+            <a:ext cx="5105400" cy="508000"/>
+          </a:xfrm>
+          <a:prstGeom prst="rect">
+            <a:avLst/>
+          </a:prstGeom>
+          <a:noFill/>
+        </p:spPr>
+        <p:txBody>
+          <a:bodyPr/>
+          <a:lstStyle/>
+          <a:p>
+            <a:pPr marL="0" lvl="0" indent="0" algn="ctr">
+              <a:buNone/>
+            </a:pPr>
+            <a:endParaRPr dirty="0"/>
+          </a:p>
+        </p:txBody>
+      </p:sp>
     </p:spTree>
   </p:cSld>
   <p:clrMapOvr>
@@ -4102,7 +4057,9 @@
         </p:nvSpPr>
         <p:spPr/>
         <p:txBody>
-          <a:bodyPr/>
+          <a:bodyPr>
+            <a:noAutofit/>
+          </a:bodyPr>
           <a:lstStyle/>
           <a:p>
             <a:pPr marL="0" lvl="0" indent="0">
@@ -4112,14 +4069,14 @@
               <a:buNone/>
             </a:pPr>
             <a:r>
-              <a:rPr sz="2000" b="1" dirty="0"/>
+              <a:rPr sz="2400" b="1" dirty="0"/>
               <a:t>DBMS</a:t>
             </a:r>
           </a:p>
           <a:p>
             <a:pPr lvl="0"/>
             <a:r>
-              <a:rPr sz="2000" b="1" dirty="0"/>
+              <a:rPr sz="2400" b="1" dirty="0"/>
               <a:t>Database systems contain the following information</a:t>
             </a:r>
           </a:p>
@@ -4127,14 +4084,8 @@
             <a:pPr marL="0" lvl="0" indent="0">
               <a:buNone/>
             </a:pPr>
-            <a:endParaRPr lang="tr-TR" sz="2000" dirty="0"/>
-          </a:p>
-          <a:p>
-            <a:pPr marL="0" lvl="0" indent="0">
-              <a:buNone/>
-            </a:pPr>
-            <a:r>
-              <a:rPr sz="2000" dirty="0"/>
+            <a:r>
+              <a:rPr sz="2400" dirty="0"/>
               <a:t>Collection of interrelated data The set of software required to access the data</a:t>
             </a:r>
           </a:p>
@@ -4193,7 +4144,9 @@
             <a:pPr marL="0" lvl="0" indent="0" algn="ctr">
               <a:buNone/>
             </a:pPr>
-            <a:endParaRPr dirty="0"/>
+            <a:r>
+              <a:t>bg right:50% h:400px</a:t>
+            </a:r>
           </a:p>
         </p:txBody>
       </p:sp>

--- a/site/week-1/week-1.en.md_word.pptx
+++ b/site/week-1/week-1.en.md_word.pptx
@@ -1,6 +1,6 @@
 
 <file path=ppt/presentation.xml><?xml version="1.0" encoding="utf-8"?>
-<p:presentation xmlns:a="http://schemas.openxmlformats.org/drawingml/2006/main" xmlns:r="http://schemas.openxmlformats.org/officeDocument/2006/relationships" xmlns:p="http://schemas.openxmlformats.org/presentationml/2006/main" saveSubsetFonts="1" autoCompressPictures="0">
+<p:presentation xmlns:a="http://schemas.openxmlformats.org/drawingml/2006/main" xmlns:p="http://schemas.openxmlformats.org/presentationml/2006/main" xmlns:r="http://schemas.openxmlformats.org/officeDocument/2006/relationships" autoCompressPictures="0" saveSubsetFonts="1">
   <p:sldMasterIdLst>
     <p:sldMasterId id="2147483648" r:id="rId1"/>
   </p:sldMasterIdLst>
@@ -25,8 +25,8 @@
     <a:defPPr>
       <a:defRPr lang="en-US"/>
     </a:defPPr>
-    <a:lvl1pPr marL="0" algn="l" defTabSz="457200" rtl="0" eaLnBrk="1" latinLnBrk="0" hangingPunct="1">
-      <a:defRPr sz="1800" kern="1200">
+    <a:lvl1pPr algn="l" defTabSz="457200" eaLnBrk="1" hangingPunct="1" latinLnBrk="0" marL="0" rtl="0">
+      <a:defRPr kern="1200" sz="1800">
         <a:solidFill>
           <a:schemeClr val="tx1"/>
         </a:solidFill>
@@ -35,8 +35,8 @@
         <a:cs typeface="+mn-cs"/>
       </a:defRPr>
     </a:lvl1pPr>
-    <a:lvl2pPr marL="457200" algn="l" defTabSz="457200" rtl="0" eaLnBrk="1" latinLnBrk="0" hangingPunct="1">
-      <a:defRPr sz="1800" kern="1200">
+    <a:lvl2pPr algn="l" defTabSz="457200" eaLnBrk="1" hangingPunct="1" latinLnBrk="0" marL="457200" rtl="0">
+      <a:defRPr kern="1200" sz="1800">
         <a:solidFill>
           <a:schemeClr val="tx1"/>
         </a:solidFill>
@@ -45,8 +45,8 @@
         <a:cs typeface="+mn-cs"/>
       </a:defRPr>
     </a:lvl2pPr>
-    <a:lvl3pPr marL="914400" algn="l" defTabSz="457200" rtl="0" eaLnBrk="1" latinLnBrk="0" hangingPunct="1">
-      <a:defRPr sz="1800" kern="1200">
+    <a:lvl3pPr algn="l" defTabSz="457200" eaLnBrk="1" hangingPunct="1" latinLnBrk="0" marL="914400" rtl="0">
+      <a:defRPr kern="1200" sz="1800">
         <a:solidFill>
           <a:schemeClr val="tx1"/>
         </a:solidFill>
@@ -55,8 +55,8 @@
         <a:cs typeface="+mn-cs"/>
       </a:defRPr>
     </a:lvl3pPr>
-    <a:lvl4pPr marL="1371600" algn="l" defTabSz="457200" rtl="0" eaLnBrk="1" latinLnBrk="0" hangingPunct="1">
-      <a:defRPr sz="1800" kern="1200">
+    <a:lvl4pPr algn="l" defTabSz="457200" eaLnBrk="1" hangingPunct="1" latinLnBrk="0" marL="1371600" rtl="0">
+      <a:defRPr kern="1200" sz="1800">
         <a:solidFill>
           <a:schemeClr val="tx1"/>
         </a:solidFill>
@@ -65,8 +65,8 @@
         <a:cs typeface="+mn-cs"/>
       </a:defRPr>
     </a:lvl4pPr>
-    <a:lvl5pPr marL="1828800" algn="l" defTabSz="457200" rtl="0" eaLnBrk="1" latinLnBrk="0" hangingPunct="1">
-      <a:defRPr sz="1800" kern="1200">
+    <a:lvl5pPr algn="l" defTabSz="457200" eaLnBrk="1" hangingPunct="1" latinLnBrk="0" marL="1828800" rtl="0">
+      <a:defRPr kern="1200" sz="1800">
         <a:solidFill>
           <a:schemeClr val="tx1"/>
         </a:solidFill>
@@ -75,8 +75,8 @@
         <a:cs typeface="+mn-cs"/>
       </a:defRPr>
     </a:lvl5pPr>
-    <a:lvl6pPr marL="2286000" algn="l" defTabSz="457200" rtl="0" eaLnBrk="1" latinLnBrk="0" hangingPunct="1">
-      <a:defRPr sz="1800" kern="1200">
+    <a:lvl6pPr algn="l" defTabSz="457200" eaLnBrk="1" hangingPunct="1" latinLnBrk="0" marL="2286000" rtl="0">
+      <a:defRPr kern="1200" sz="1800">
         <a:solidFill>
           <a:schemeClr val="tx1"/>
         </a:solidFill>
@@ -85,8 +85,8 @@
         <a:cs typeface="+mn-cs"/>
       </a:defRPr>
     </a:lvl6pPr>
-    <a:lvl7pPr marL="2743200" algn="l" defTabSz="457200" rtl="0" eaLnBrk="1" latinLnBrk="0" hangingPunct="1">
-      <a:defRPr sz="1800" kern="1200">
+    <a:lvl7pPr algn="l" defTabSz="457200" eaLnBrk="1" hangingPunct="1" latinLnBrk="0" marL="2743200" rtl="0">
+      <a:defRPr kern="1200" sz="1800">
         <a:solidFill>
           <a:schemeClr val="tx1"/>
         </a:solidFill>
@@ -95,8 +95,8 @@
         <a:cs typeface="+mn-cs"/>
       </a:defRPr>
     </a:lvl7pPr>
-    <a:lvl8pPr marL="3200400" algn="l" defTabSz="457200" rtl="0" eaLnBrk="1" latinLnBrk="0" hangingPunct="1">
-      <a:defRPr sz="1800" kern="1200">
+    <a:lvl8pPr algn="l" defTabSz="457200" eaLnBrk="1" hangingPunct="1" latinLnBrk="0" marL="3200400" rtl="0">
+      <a:defRPr kern="1200" sz="1800">
         <a:solidFill>
           <a:schemeClr val="tx1"/>
         </a:solidFill>
@@ -105,8 +105,8 @@
         <a:cs typeface="+mn-cs"/>
       </a:defRPr>
     </a:lvl8pPr>
-    <a:lvl9pPr marL="3657600" algn="l" defTabSz="457200" rtl="0" eaLnBrk="1" latinLnBrk="0" hangingPunct="1">
-      <a:defRPr sz="1800" kern="1200">
+    <a:lvl9pPr algn="l" defTabSz="457200" eaLnBrk="1" hangingPunct="1" latinLnBrk="0" marL="3657600" rtl="0">
+      <a:defRPr kern="1200" sz="1800">
         <a:solidFill>
           <a:schemeClr val="tx1"/>
         </a:solidFill>
@@ -314,7 +314,7 @@
           <a:p>
             <a:fld id="{241EB5C9-1307-BA42-ABA2-0BC069CD8E7F}" type="datetimeFigureOut">
               <a:rPr lang="en-US" smtClean="0"/>
-              <a:t>10/18/2022</a:t>
+              <a:t>1/2/22</a:t>
             </a:fld>
             <a:endParaRPr lang="en-US"/>
           </a:p>
@@ -482,7 +482,7 @@
           <a:p>
             <a:fld id="{241EB5C9-1307-BA42-ABA2-0BC069CD8E7F}" type="datetimeFigureOut">
               <a:rPr lang="en-US" smtClean="0"/>
-              <a:t>10/18/2022</a:t>
+              <a:t>1/2/22</a:t>
             </a:fld>
             <a:endParaRPr lang="en-US"/>
           </a:p>
@@ -660,7 +660,7 @@
           <a:p>
             <a:fld id="{241EB5C9-1307-BA42-ABA2-0BC069CD8E7F}" type="datetimeFigureOut">
               <a:rPr lang="en-US" smtClean="0"/>
-              <a:t>10/18/2022</a:t>
+              <a:t>1/2/22</a:t>
             </a:fld>
             <a:endParaRPr lang="en-US"/>
           </a:p>
@@ -828,7 +828,7 @@
           <a:p>
             <a:fld id="{241EB5C9-1307-BA42-ABA2-0BC069CD8E7F}" type="datetimeFigureOut">
               <a:rPr lang="en-US" smtClean="0"/>
-              <a:t>10/18/2022</a:t>
+              <a:t>1/2/22</a:t>
             </a:fld>
             <a:endParaRPr lang="en-US"/>
           </a:p>
@@ -1073,7 +1073,7 @@
           <a:p>
             <a:fld id="{241EB5C9-1307-BA42-ABA2-0BC069CD8E7F}" type="datetimeFigureOut">
               <a:rPr lang="en-US" smtClean="0"/>
-              <a:t>10/18/2022</a:t>
+              <a:t>1/2/22</a:t>
             </a:fld>
             <a:endParaRPr lang="en-US"/>
           </a:p>
@@ -1358,7 +1358,7 @@
           <a:p>
             <a:fld id="{241EB5C9-1307-BA42-ABA2-0BC069CD8E7F}" type="datetimeFigureOut">
               <a:rPr lang="en-US" smtClean="0"/>
-              <a:t>10/18/2022</a:t>
+              <a:t>1/2/22</a:t>
             </a:fld>
             <a:endParaRPr lang="en-US"/>
           </a:p>
@@ -1777,7 +1777,7 @@
           <a:p>
             <a:fld id="{241EB5C9-1307-BA42-ABA2-0BC069CD8E7F}" type="datetimeFigureOut">
               <a:rPr lang="en-US" smtClean="0"/>
-              <a:t>10/18/2022</a:t>
+              <a:t>1/2/22</a:t>
             </a:fld>
             <a:endParaRPr lang="en-US"/>
           </a:p>
@@ -1894,7 +1894,7 @@
           <a:p>
             <a:fld id="{241EB5C9-1307-BA42-ABA2-0BC069CD8E7F}" type="datetimeFigureOut">
               <a:rPr lang="en-US" smtClean="0"/>
-              <a:t>10/18/2022</a:t>
+              <a:t>1/2/22</a:t>
             </a:fld>
             <a:endParaRPr lang="en-US"/>
           </a:p>
@@ -1989,7 +1989,7 @@
           <a:p>
             <a:fld id="{241EB5C9-1307-BA42-ABA2-0BC069CD8E7F}" type="datetimeFigureOut">
               <a:rPr lang="en-US" smtClean="0"/>
-              <a:t>10/18/2022</a:t>
+              <a:t>1/2/22</a:t>
             </a:fld>
             <a:endParaRPr lang="en-US"/>
           </a:p>
@@ -2264,7 +2264,7 @@
           <a:p>
             <a:fld id="{241EB5C9-1307-BA42-ABA2-0BC069CD8E7F}" type="datetimeFigureOut">
               <a:rPr lang="en-US" smtClean="0"/>
-              <a:t>10/18/2022</a:t>
+              <a:t>1/2/22</a:t>
             </a:fld>
             <a:endParaRPr lang="en-US"/>
           </a:p>
@@ -2516,7 +2516,7 @@
           <a:p>
             <a:fld id="{241EB5C9-1307-BA42-ABA2-0BC069CD8E7F}" type="datetimeFigureOut">
               <a:rPr lang="en-US" smtClean="0"/>
-              <a:t>10/18/2022</a:t>
+              <a:t>1/2/22</a:t>
             </a:fld>
             <a:endParaRPr lang="en-US"/>
           </a:p>
@@ -2578,7 +2578,7 @@
 </file>
 
 <file path=ppt/slideMasters/slideMaster1.xml><?xml version="1.0" encoding="utf-8"?>
-<p:sldMaster xmlns:a="http://schemas.openxmlformats.org/drawingml/2006/main" xmlns:r="http://schemas.openxmlformats.org/officeDocument/2006/relationships" xmlns:p="http://schemas.openxmlformats.org/presentationml/2006/main">
+<p:sldMaster xmlns:a="http://schemas.openxmlformats.org/drawingml/2006/main" xmlns:p="http://schemas.openxmlformats.org/presentationml/2006/main" xmlns:r="http://schemas.openxmlformats.org/officeDocument/2006/relationships">
   <p:cSld>
     <p:bg>
       <p:bgRef idx="1001">
@@ -2619,7 +2619,7 @@
           </a:prstGeom>
         </p:spPr>
         <p:txBody>
-          <a:bodyPr vert="horz" lIns="91440" tIns="45720" rIns="91440" bIns="45720" rtlCol="0" anchor="ctr">
+          <a:bodyPr anchor="ctr" bIns="45720" lIns="91440" rIns="91440" rtlCol="0" tIns="45720" vert="horz">
             <a:normAutofit/>
           </a:bodyPr>
           <a:lstStyle/>
@@ -2638,7 +2638,7 @@
             <a:spLocks noGrp="1"/>
           </p:cNvSpPr>
           <p:nvPr>
-            <p:ph type="body" idx="1"/>
+            <p:ph idx="1" type="body"/>
           </p:nvPr>
         </p:nvSpPr>
         <p:spPr>
@@ -2651,7 +2651,7 @@
           </a:prstGeom>
         </p:spPr>
         <p:txBody>
-          <a:bodyPr vert="horz" lIns="91440" tIns="45720" rIns="91440" bIns="45720" rtlCol="0">
+          <a:bodyPr bIns="45720" lIns="91440" rIns="91440" rtlCol="0" tIns="45720" vert="horz">
             <a:normAutofit/>
           </a:bodyPr>
           <a:lstStyle/>
@@ -2699,7 +2699,7 @@
             <a:spLocks noGrp="1"/>
           </p:cNvSpPr>
           <p:nvPr>
-            <p:ph type="dt" sz="half" idx="2"/>
+            <p:ph idx="2" sz="half" type="dt"/>
           </p:nvPr>
         </p:nvSpPr>
         <p:spPr>
@@ -2712,7 +2712,7 @@
           </a:prstGeom>
         </p:spPr>
         <p:txBody>
-          <a:bodyPr vert="horz" lIns="91440" tIns="45720" rIns="91440" bIns="45720" rtlCol="0" anchor="ctr"/>
+          <a:bodyPr anchor="ctr" bIns="45720" lIns="91440" rIns="91440" rtlCol="0" tIns="45720" vert="horz"/>
           <a:lstStyle>
             <a:lvl1pPr algn="l">
               <a:defRPr sz="900">
@@ -2727,7 +2727,7 @@
           <a:p>
             <a:fld id="{241EB5C9-1307-BA42-ABA2-0BC069CD8E7F}" type="datetimeFigureOut">
               <a:rPr lang="en-US" smtClean="0"/>
-              <a:t>10/18/2022</a:t>
+              <a:t>1/2/22</a:t>
             </a:fld>
             <a:endParaRPr lang="en-US"/>
           </a:p>
@@ -2740,7 +2740,7 @@
             <a:spLocks noGrp="1"/>
           </p:cNvSpPr>
           <p:nvPr>
-            <p:ph type="ftr" sz="quarter" idx="3"/>
+            <p:ph idx="3" sz="quarter" type="ftr"/>
           </p:nvPr>
         </p:nvSpPr>
         <p:spPr>
@@ -2753,7 +2753,7 @@
           </a:prstGeom>
         </p:spPr>
         <p:txBody>
-          <a:bodyPr vert="horz" lIns="91440" tIns="45720" rIns="91440" bIns="45720" rtlCol="0" anchor="ctr"/>
+          <a:bodyPr anchor="ctr" bIns="45720" lIns="91440" rIns="91440" rtlCol="0" tIns="45720" vert="horz"/>
           <a:lstStyle>
             <a:lvl1pPr algn="ctr">
               <a:defRPr sz="900">
@@ -2777,7 +2777,7 @@
             <a:spLocks noGrp="1"/>
           </p:cNvSpPr>
           <p:nvPr>
-            <p:ph type="sldNum" sz="quarter" idx="4"/>
+            <p:ph idx="4" sz="quarter" type="sldNum"/>
           </p:nvPr>
         </p:nvSpPr>
         <p:spPr>
@@ -2790,7 +2790,7 @@
           </a:prstGeom>
         </p:spPr>
         <p:txBody>
-          <a:bodyPr vert="horz" lIns="91440" tIns="45720" rIns="91440" bIns="45720" rtlCol="0" anchor="ctr"/>
+          <a:bodyPr anchor="ctr" bIns="45720" lIns="91440" rIns="91440" rtlCol="0" tIns="45720" vert="horz"/>
           <a:lstStyle>
             <a:lvl1pPr algn="r">
               <a:defRPr sz="900">
@@ -2818,7 +2818,7 @@
       </p:ext>
     </p:extLst>
   </p:cSld>
-  <p:clrMap bg1="lt1" tx1="dk1" bg2="lt2" tx2="dk2" accent1="accent1" accent2="accent2" accent3="accent3" accent4="accent4" accent5="accent5" accent6="accent6" hlink="hlink" folHlink="folHlink"/>
+  <p:clrMap accent1="accent1" accent2="accent2" accent3="accent3" accent4="accent4" accent5="accent5" accent6="accent6" bg1="lt1" bg2="lt2" folHlink="folHlink" hlink="hlink" tx1="dk1" tx2="dk2"/>
   <p:sldLayoutIdLst>
     <p:sldLayoutId id="2147483649" r:id="rId1"/>
     <p:sldLayoutId id="2147483650" r:id="rId2"/>
@@ -2834,12 +2834,12 @@
   </p:sldLayoutIdLst>
   <p:txStyles>
     <p:titleStyle>
-      <a:lvl1pPr algn="ctr" defTabSz="342900" rtl="0" eaLnBrk="1" latinLnBrk="0" hangingPunct="1">
+      <a:lvl1pPr algn="ctr" defTabSz="342900" eaLnBrk="1" hangingPunct="1" latinLnBrk="0" rtl="0">
         <a:spcBef>
           <a:spcPct val="0"/>
         </a:spcBef>
         <a:buNone/>
-        <a:defRPr sz="3300" kern="1200">
+        <a:defRPr kern="1200" sz="3300">
           <a:solidFill>
             <a:schemeClr val="tx1"/>
           </a:solidFill>
@@ -2850,13 +2850,13 @@
       </a:lvl1pPr>
     </p:titleStyle>
     <p:bodyStyle>
-      <a:lvl1pPr marL="342900" indent="-342900" algn="l" defTabSz="342900" rtl="0" eaLnBrk="1" latinLnBrk="0" hangingPunct="1">
+      <a:lvl1pPr algn="l" defTabSz="342900" eaLnBrk="1" hangingPunct="1" indent="-342900" latinLnBrk="0" marL="342900" rtl="0">
         <a:spcBef>
           <a:spcPct val="20000"/>
         </a:spcBef>
         <a:buFont typeface="Arial"/>
         <a:buChar char="•"/>
-        <a:defRPr sz="2400" kern="1200">
+        <a:defRPr kern="1200" sz="2400">
           <a:solidFill>
             <a:schemeClr val="tx1"/>
           </a:solidFill>
@@ -2865,13 +2865,13 @@
           <a:cs typeface="+mn-cs"/>
         </a:defRPr>
       </a:lvl1pPr>
-      <a:lvl2pPr marL="685800" indent="-342900" algn="l" defTabSz="342900" rtl="0" eaLnBrk="1" latinLnBrk="0" hangingPunct="1">
+      <a:lvl2pPr algn="l" defTabSz="342900" eaLnBrk="1" hangingPunct="1" indent="-342900" latinLnBrk="0" marL="685800" rtl="0">
         <a:spcBef>
           <a:spcPct val="20000"/>
         </a:spcBef>
         <a:buFont typeface="Arial"/>
         <a:buChar char="–"/>
-        <a:defRPr sz="2100" kern="1200">
+        <a:defRPr kern="1200" sz="2100">
           <a:solidFill>
             <a:schemeClr val="tx1"/>
           </a:solidFill>
@@ -2880,13 +2880,13 @@
           <a:cs typeface="+mn-cs"/>
         </a:defRPr>
       </a:lvl2pPr>
-      <a:lvl3pPr marL="1028700" indent="-342900" algn="l" defTabSz="342900" rtl="0" eaLnBrk="1" latinLnBrk="0" hangingPunct="1">
+      <a:lvl3pPr algn="l" defTabSz="342900" eaLnBrk="1" hangingPunct="1" indent="-342900" latinLnBrk="0" marL="1028700" rtl="0">
         <a:spcBef>
           <a:spcPct val="20000"/>
         </a:spcBef>
         <a:buFont typeface="Arial"/>
         <a:buChar char="•"/>
-        <a:defRPr sz="1800" kern="1200">
+        <a:defRPr kern="1200" sz="1800">
           <a:solidFill>
             <a:schemeClr val="tx1"/>
           </a:solidFill>
@@ -2895,13 +2895,13 @@
           <a:cs typeface="+mn-cs"/>
         </a:defRPr>
       </a:lvl3pPr>
-      <a:lvl4pPr marL="1371600" indent="-342900" algn="l" defTabSz="342900" rtl="0" eaLnBrk="1" latinLnBrk="0" hangingPunct="1">
+      <a:lvl4pPr algn="l" defTabSz="342900" eaLnBrk="1" hangingPunct="1" indent="-342900" latinLnBrk="0" marL="1371600" rtl="0">
         <a:spcBef>
           <a:spcPct val="20000"/>
         </a:spcBef>
         <a:buFont typeface="Arial"/>
         <a:buChar char="–"/>
-        <a:defRPr sz="1500" kern="1200">
+        <a:defRPr kern="1200" sz="1500">
           <a:solidFill>
             <a:schemeClr val="tx1"/>
           </a:solidFill>
@@ -2910,13 +2910,13 @@
           <a:cs typeface="+mn-cs"/>
         </a:defRPr>
       </a:lvl4pPr>
-      <a:lvl5pPr marL="1714500" indent="-342900" algn="l" defTabSz="342900" rtl="0" eaLnBrk="1" latinLnBrk="0" hangingPunct="1">
+      <a:lvl5pPr algn="l" defTabSz="342900" eaLnBrk="1" hangingPunct="1" indent="-342900" latinLnBrk="0" marL="1714500" rtl="0">
         <a:spcBef>
           <a:spcPct val="20000"/>
         </a:spcBef>
         <a:buFont typeface="Arial"/>
         <a:buChar char="»"/>
-        <a:defRPr sz="1500" kern="1200">
+        <a:defRPr kern="1200" sz="1500">
           <a:solidFill>
             <a:schemeClr val="tx1"/>
           </a:solidFill>
@@ -2925,13 +2925,13 @@
           <a:cs typeface="+mn-cs"/>
         </a:defRPr>
       </a:lvl5pPr>
-      <a:lvl6pPr marL="2057400" indent="-342900" algn="l" defTabSz="342900" rtl="0" eaLnBrk="1" latinLnBrk="0" hangingPunct="1">
+      <a:lvl6pPr algn="l" defTabSz="342900" eaLnBrk="1" hangingPunct="1" indent="-342900" latinLnBrk="0" marL="2057400" rtl="0">
         <a:spcBef>
           <a:spcPct val="20000"/>
         </a:spcBef>
         <a:buFont typeface="Arial"/>
         <a:buChar char="•"/>
-        <a:defRPr sz="1500" kern="1200">
+        <a:defRPr kern="1200" sz="1500">
           <a:solidFill>
             <a:schemeClr val="tx1"/>
           </a:solidFill>
@@ -2940,13 +2940,13 @@
           <a:cs typeface="+mn-cs"/>
         </a:defRPr>
       </a:lvl6pPr>
-      <a:lvl7pPr marL="2400300" indent="-342900" algn="l" defTabSz="342900" rtl="0" eaLnBrk="1" latinLnBrk="0" hangingPunct="1">
+      <a:lvl7pPr algn="l" defTabSz="342900" eaLnBrk="1" hangingPunct="1" indent="-342900" latinLnBrk="0" marL="2400300" rtl="0">
         <a:spcBef>
           <a:spcPct val="20000"/>
         </a:spcBef>
         <a:buFont typeface="Arial"/>
         <a:buChar char="•"/>
-        <a:defRPr sz="1500" kern="1200">
+        <a:defRPr kern="1200" sz="1500">
           <a:solidFill>
             <a:schemeClr val="tx1"/>
           </a:solidFill>
@@ -2955,13 +2955,13 @@
           <a:cs typeface="+mn-cs"/>
         </a:defRPr>
       </a:lvl7pPr>
-      <a:lvl8pPr marL="2743200" indent="-342900" algn="l" defTabSz="342900" rtl="0" eaLnBrk="1" latinLnBrk="0" hangingPunct="1">
+      <a:lvl8pPr algn="l" defTabSz="342900" eaLnBrk="1" hangingPunct="1" indent="-342900" latinLnBrk="0" marL="2743200" rtl="0">
         <a:spcBef>
           <a:spcPct val="20000"/>
         </a:spcBef>
         <a:buFont typeface="Arial"/>
         <a:buChar char="•"/>
-        <a:defRPr sz="1500" kern="1200">
+        <a:defRPr kern="1200" sz="1500">
           <a:solidFill>
             <a:schemeClr val="tx1"/>
           </a:solidFill>
@@ -2970,13 +2970,13 @@
           <a:cs typeface="+mn-cs"/>
         </a:defRPr>
       </a:lvl8pPr>
-      <a:lvl9pPr marL="3086100" indent="-342900" algn="l" defTabSz="342900" rtl="0" eaLnBrk="1" latinLnBrk="0" hangingPunct="1">
+      <a:lvl9pPr algn="l" defTabSz="342900" eaLnBrk="1" hangingPunct="1" indent="-342900" latinLnBrk="0" marL="3086100" rtl="0">
         <a:spcBef>
           <a:spcPct val="20000"/>
         </a:spcBef>
         <a:buFont typeface="Arial"/>
         <a:buChar char="•"/>
-        <a:defRPr sz="1500" kern="1200">
+        <a:defRPr kern="1200" sz="1500">
           <a:solidFill>
             <a:schemeClr val="tx1"/>
           </a:solidFill>
@@ -2990,8 +2990,8 @@
       <a:defPPr>
         <a:defRPr lang="en-US"/>
       </a:defPPr>
-      <a:lvl1pPr marL="0" algn="l" defTabSz="342900" rtl="0" eaLnBrk="1" latinLnBrk="0" hangingPunct="1">
-        <a:defRPr sz="1350" kern="1200">
+      <a:lvl1pPr algn="l" defTabSz="342900" eaLnBrk="1" hangingPunct="1" latinLnBrk="0" marL="0" rtl="0">
+        <a:defRPr kern="1200" sz="1350">
           <a:solidFill>
             <a:schemeClr val="tx1"/>
           </a:solidFill>
@@ -3000,8 +3000,8 @@
           <a:cs typeface="+mn-cs"/>
         </a:defRPr>
       </a:lvl1pPr>
-      <a:lvl2pPr marL="342900" algn="l" defTabSz="342900" rtl="0" eaLnBrk="1" latinLnBrk="0" hangingPunct="1">
-        <a:defRPr sz="1350" kern="1200">
+      <a:lvl2pPr algn="l" defTabSz="342900" eaLnBrk="1" hangingPunct="1" latinLnBrk="0" marL="342900" rtl="0">
+        <a:defRPr kern="1200" sz="1350">
           <a:solidFill>
             <a:schemeClr val="tx1"/>
           </a:solidFill>
@@ -3010,8 +3010,8 @@
           <a:cs typeface="+mn-cs"/>
         </a:defRPr>
       </a:lvl2pPr>
-      <a:lvl3pPr marL="685800" algn="l" defTabSz="342900" rtl="0" eaLnBrk="1" latinLnBrk="0" hangingPunct="1">
-        <a:defRPr sz="1350" kern="1200">
+      <a:lvl3pPr algn="l" defTabSz="342900" eaLnBrk="1" hangingPunct="1" latinLnBrk="0" marL="685800" rtl="0">
+        <a:defRPr kern="1200" sz="1350">
           <a:solidFill>
             <a:schemeClr val="tx1"/>
           </a:solidFill>
@@ -3020,8 +3020,8 @@
           <a:cs typeface="+mn-cs"/>
         </a:defRPr>
       </a:lvl3pPr>
-      <a:lvl4pPr marL="1028700" algn="l" defTabSz="342900" rtl="0" eaLnBrk="1" latinLnBrk="0" hangingPunct="1">
-        <a:defRPr sz="1350" kern="1200">
+      <a:lvl4pPr algn="l" defTabSz="342900" eaLnBrk="1" hangingPunct="1" latinLnBrk="0" marL="1028700" rtl="0">
+        <a:defRPr kern="1200" sz="1350">
           <a:solidFill>
             <a:schemeClr val="tx1"/>
           </a:solidFill>
@@ -3030,8 +3030,8 @@
           <a:cs typeface="+mn-cs"/>
         </a:defRPr>
       </a:lvl4pPr>
-      <a:lvl5pPr marL="1371600" algn="l" defTabSz="342900" rtl="0" eaLnBrk="1" latinLnBrk="0" hangingPunct="1">
-        <a:defRPr sz="1350" kern="1200">
+      <a:lvl5pPr algn="l" defTabSz="342900" eaLnBrk="1" hangingPunct="1" latinLnBrk="0" marL="1371600" rtl="0">
+        <a:defRPr kern="1200" sz="1350">
           <a:solidFill>
             <a:schemeClr val="tx1"/>
           </a:solidFill>
@@ -3040,8 +3040,8 @@
           <a:cs typeface="+mn-cs"/>
         </a:defRPr>
       </a:lvl5pPr>
-      <a:lvl6pPr marL="1714500" algn="l" defTabSz="342900" rtl="0" eaLnBrk="1" latinLnBrk="0" hangingPunct="1">
-        <a:defRPr sz="1350" kern="1200">
+      <a:lvl6pPr algn="l" defTabSz="342900" eaLnBrk="1" hangingPunct="1" latinLnBrk="0" marL="1714500" rtl="0">
+        <a:defRPr kern="1200" sz="1350">
           <a:solidFill>
             <a:schemeClr val="tx1"/>
           </a:solidFill>
@@ -3050,8 +3050,8 @@
           <a:cs typeface="+mn-cs"/>
         </a:defRPr>
       </a:lvl6pPr>
-      <a:lvl7pPr marL="2057400" algn="l" defTabSz="342900" rtl="0" eaLnBrk="1" latinLnBrk="0" hangingPunct="1">
-        <a:defRPr sz="1350" kern="1200">
+      <a:lvl7pPr algn="l" defTabSz="342900" eaLnBrk="1" hangingPunct="1" latinLnBrk="0" marL="2057400" rtl="0">
+        <a:defRPr kern="1200" sz="1350">
           <a:solidFill>
             <a:schemeClr val="tx1"/>
           </a:solidFill>
@@ -3060,8 +3060,8 @@
           <a:cs typeface="+mn-cs"/>
         </a:defRPr>
       </a:lvl7pPr>
-      <a:lvl8pPr marL="2400300" algn="l" defTabSz="342900" rtl="0" eaLnBrk="1" latinLnBrk="0" hangingPunct="1">
-        <a:defRPr sz="1350" kern="1200">
+      <a:lvl8pPr algn="l" defTabSz="342900" eaLnBrk="1" hangingPunct="1" latinLnBrk="0" marL="2400300" rtl="0">
+        <a:defRPr kern="1200" sz="1350">
           <a:solidFill>
             <a:schemeClr val="tx1"/>
           </a:solidFill>
@@ -3070,8 +3070,8 @@
           <a:cs typeface="+mn-cs"/>
         </a:defRPr>
       </a:lvl8pPr>
-      <a:lvl9pPr marL="2743200" algn="l" defTabSz="342900" rtl="0" eaLnBrk="1" latinLnBrk="0" hangingPunct="1">
-        <a:defRPr sz="1350" kern="1200">
+      <a:lvl9pPr algn="l" defTabSz="342900" eaLnBrk="1" hangingPunct="1" latinLnBrk="0" marL="2743200" rtl="0">
+        <a:defRPr kern="1200" sz="1350">
           <a:solidFill>
             <a:schemeClr val="tx1"/>
           </a:solidFill>
@@ -3122,14 +3122,13 @@
           <a:bodyPr/>
           <a:lstStyle/>
           <a:p>
-            <a:pPr marL="0" lvl="0" indent="0">
+            <a:pPr lvl="0" indent="0" marL="0">
               <a:buNone/>
             </a:pPr>
             <a:r>
-              <a:rPr lang="en-GB" dirty="0"/>
-              <a:t>CE103 - Algorithms And Programming I</a:t>
-            </a:r>
-            <a:endParaRPr lang="tr-TR" dirty="0"/>
+              <a:rPr/>
+              <a:t>Sample Course Name</a:t>
+            </a:r>
           </a:p>
         </p:txBody>
       </p:sp>
@@ -3140,7 +3139,7 @@
             <a:spLocks noGrp="1"/>
           </p:cNvSpPr>
           <p:nvPr>
-            <p:ph type="subTitle" idx="1"/>
+            <p:ph idx="1" type="subTitle"/>
           </p:nvPr>
         </p:nvSpPr>
         <p:spPr>
@@ -3153,15 +3152,17 @@
           <a:bodyPr/>
           <a:lstStyle/>
           <a:p>
-            <a:pPr marL="0" lvl="0" indent="0">
+            <a:pPr lvl="0" indent="0" marL="0">
               <a:buNone/>
             </a:pPr>
             <a:r>
+              <a:rPr/>
               <a:t>Sample Course Module Name</a:t>
             </a:r>
             <a:br/>
             <a:br/>
             <a:r>
+              <a:rPr/>
               <a:t>Author: Asst. Prof. Dr. Uğur CORUH</a:t>
             </a:r>
           </a:p>
@@ -3174,26 +3175,26 @@
             <a:spLocks noGrp="1"/>
           </p:cNvSpPr>
           <p:nvPr>
-            <p:ph type="dt" sz="half" idx="10"/>
-          </p:nvPr>
-        </p:nvSpPr>
-        <p:spPr/>
-        <p:txBody>
-          <a:bodyPr/>
-          <a:lstStyle/>
-          <a:p>
-            <a:pPr marL="0" lvl="0" indent="0">
+            <p:ph idx="10" sz="half" type="dt"/>
+          </p:nvPr>
+        </p:nvSpPr>
+        <p:spPr/>
+        <p:txBody>
+          <a:bodyPr/>
+          <a:lstStyle/>
+          <a:p>
+            <a:pPr lvl="0" indent="0" marL="0">
               <a:buNone/>
             </a:pPr>
-            <a:endParaRPr/>
+            <a:r>
+              <a:rPr/>
+              <a:t/>
+            </a:r>
           </a:p>
         </p:txBody>
       </p:sp>
     </p:spTree>
   </p:cSld>
-  <p:clrMapOvr>
-    <a:masterClrMapping/>
-  </p:clrMapOvr>
 </p:sld>
 </file>
 
@@ -3221,33 +3222,31 @@
             <a:spLocks noGrp="1"/>
           </p:cNvSpPr>
           <p:nvPr>
-            <p:ph type="body" sz="half" idx="2"/>
-          </p:nvPr>
-        </p:nvSpPr>
-        <p:spPr/>
-        <p:txBody>
-          <a:bodyPr>
-            <a:normAutofit/>
-          </a:bodyPr>
-          <a:lstStyle/>
-          <a:p>
-            <a:pPr marL="0" lvl="0" indent="0">
+            <p:ph idx="2" sz="half" type="body"/>
+          </p:nvPr>
+        </p:nvSpPr>
+        <p:spPr/>
+        <p:txBody>
+          <a:bodyPr/>
+          <a:lstStyle/>
+          <a:p>
+            <a:pPr lvl="0" indent="0" marL="0">
               <a:spcBef>
                 <a:spcPts val="3000"/>
               </a:spcBef>
               <a:buNone/>
             </a:pPr>
             <a:r>
-              <a:rPr sz="1800" b="1" dirty="0"/>
+              <a:rPr b="1"/>
               <a:t>The Entity-Relationship Model</a:t>
             </a:r>
           </a:p>
           <a:p>
-            <a:pPr marL="0" lvl="0" indent="0">
+            <a:pPr lvl="0" indent="0" marL="0">
               <a:buNone/>
             </a:pPr>
             <a:r>
-              <a:rPr sz="1800" dirty="0"/>
+              <a:rPr/>
               <a:t>Revealing relationships in data analysis and modeling. It is the tool used to put it on. Entity: Distinguish from other objects in a field. “thing” or “object”. By set of attributes is defined. Relationship: The relationship between more than one entity.</a:t>
             </a:r>
           </a:p>
@@ -3255,7 +3254,7 @@
       </p:sp>
       <p:pic>
         <p:nvPicPr>
-          <p:cNvPr id="2" name="Picture 1" descr="fig:  assets/Entity-Relationship%20Model.webp"/>
+          <p:cNvPr descr="fig:  assets/Entity-Relationship%20Model.webp" id="0" name="Picture 1"/>
           <p:cNvPicPr>
             <a:picLocks noGrp="1" noChangeAspect="1"/>
           </p:cNvPicPr>
@@ -3285,7 +3284,7 @@
       </p:pic>
       <p:sp>
         <p:nvSpPr>
-          <p:cNvPr id="3" name="TextBox 3"/>
+          <p:cNvPr id="1" name="TextBox 3"/>
           <p:cNvSpPr txBox="1"/>
           <p:nvPr/>
         </p:nvSpPr>
@@ -3303,18 +3302,18 @@
           <a:bodyPr/>
           <a:lstStyle/>
           <a:p>
-            <a:pPr marL="0" lvl="0" indent="0" algn="ctr">
+            <a:pPr lvl="0" indent="0" marL="0" algn="ctr">
               <a:buNone/>
             </a:pPr>
-            <a:endParaRPr dirty="0"/>
+            <a:r>
+              <a:rPr/>
+              <a:t>bg left:50% h:500px</a:t>
+            </a:r>
           </a:p>
         </p:txBody>
       </p:sp>
     </p:spTree>
   </p:cSld>
-  <p:clrMapOvr>
-    <a:masterClrMapping/>
-  </p:clrMapOvr>
 </p:sld>
 </file>
 
@@ -3350,7 +3349,7 @@
           <a:bodyPr/>
           <a:lstStyle/>
           <a:p>
-            <a:pPr marL="0" lvl="0" indent="0">
+            <a:pPr lvl="0" indent="0" marL="0">
               <a:spcBef>
                 <a:spcPts val="3000"/>
               </a:spcBef>
@@ -3362,10 +3361,11 @@
             </a:r>
           </a:p>
           <a:p>
-            <a:pPr marL="0" lvl="0" indent="0">
+            <a:pPr lvl="0" indent="0" marL="0">
               <a:buNone/>
             </a:pPr>
             <a:r>
+              <a:rPr/>
               <a:t>The link between entities is called a relationship. For example, with the entity “Burak”, “Lessons” There is a relationship between existence. Relationship set is the set of relationships of the same type, this set of relations is denoted by R.</a:t>
             </a:r>
           </a:p>
@@ -3373,9 +3373,6 @@
       </p:sp>
     </p:spTree>
   </p:cSld>
-  <p:clrMapOvr>
-    <a:masterClrMapping/>
-  </p:clrMapOvr>
 </p:sld>
 </file>
 
@@ -3411,10 +3408,11 @@
           <a:bodyPr/>
           <a:lstStyle/>
           <a:p>
-            <a:pPr marL="0" lvl="0" indent="0">
+            <a:pPr lvl="0" indent="0" marL="0">
               <a:buNone/>
             </a:pPr>
             <a:r>
+              <a:rPr/>
               <a:t>References</a:t>
             </a:r>
           </a:p>
@@ -3437,24 +3435,28 @@
           <a:p>
             <a:pPr lvl="0"/>
             <a:r>
+              <a:rPr/>
               <a:t>https://avesis.erdogan.edu.tr/ugur.coruh</a:t>
             </a:r>
           </a:p>
           <a:p>
             <a:pPr lvl="0"/>
             <a:r>
+              <a:rPr/>
               <a:t>https://www.linkedin.com/in/ugurcoruh/</a:t>
             </a:r>
           </a:p>
           <a:p>
             <a:pPr lvl="0"/>
             <a:r>
+              <a:rPr/>
               <a:t>https://csworlds.com/what-is-dbms-database-management-system/</a:t>
             </a:r>
           </a:p>
           <a:p>
             <a:pPr lvl="0"/>
             <a:r>
+              <a:rPr/>
               <a:t>https://prepinsta.com/dbms/entity-relationship-model-er-model/</a:t>
             </a:r>
           </a:p>
@@ -3462,9 +3464,6 @@
       </p:sp>
     </p:spTree>
   </p:cSld>
-  <p:clrMapOvr>
-    <a:masterClrMapping/>
-  </p:clrMapOvr>
 </p:sld>
 </file>
 
@@ -3485,84 +3484,109 @@
           <a:chExt cx="0" cy="0"/>
         </a:xfrm>
       </p:grpSpPr>
-      <p:sp>
-        <p:nvSpPr>
-          <p:cNvPr id="3" name="Content Placeholder 2"/>
-          <p:cNvSpPr>
-            <a:spLocks noGrp="1"/>
-          </p:cNvSpPr>
-          <p:nvPr>
-            <p:ph idx="1"/>
-          </p:nvPr>
-        </p:nvSpPr>
-        <p:spPr/>
-        <p:txBody>
-          <a:bodyPr/>
-          <a:lstStyle/>
-          <a:p>
-            <a:pPr marL="0" lvl="0" indent="0">
-              <a:buNone/>
-            </a:pPr>
-            <a14:m xmlns:a14="http://schemas.microsoft.com/office/drawing/2010/main">
-              <m:oMathPara xmlns:m="http://schemas.openxmlformats.org/officeDocument/2006/math">
-                <m:oMathParaPr>
-                  <m:jc m:val="centerGroup"/>
-                </m:oMathParaPr>
-                <m:oMath xmlns:m="http://schemas.openxmlformats.org/officeDocument/2006/math">
-                  <m:r>
-                    <a:rPr>
-                      <a:latin typeface="Cambria Math" panose="02040503050406030204" pitchFamily="18" charset="0"/>
-                    </a:rPr>
-                    <m:t>𝐸𝑛𝑑</m:t>
-                  </m:r>
-                  <m:r>
-                    <a:rPr>
-                      <a:latin typeface="Cambria Math" panose="02040503050406030204" pitchFamily="18" charset="0"/>
-                    </a:rPr>
-                    <m:t>−</m:t>
-                  </m:r>
-                  <m:r>
-                    <a:rPr>
-                      <a:latin typeface="Cambria Math" panose="02040503050406030204" pitchFamily="18" charset="0"/>
-                    </a:rPr>
-                    <m:t>𝑂𝑓</m:t>
-                  </m:r>
-                  <m:r>
-                    <a:rPr>
-                      <a:latin typeface="Cambria Math" panose="02040503050406030204" pitchFamily="18" charset="0"/>
-                    </a:rPr>
-                    <m:t>−</m:t>
-                  </m:r>
-                  <m:r>
-                    <a:rPr>
-                      <a:latin typeface="Cambria Math" panose="02040503050406030204" pitchFamily="18" charset="0"/>
-                    </a:rPr>
-                    <m:t>𝑊𝑒𝑒𝑘</m:t>
-                  </m:r>
-                  <m:r>
-                    <a:rPr>
-                      <a:latin typeface="Cambria Math" panose="02040503050406030204" pitchFamily="18" charset="0"/>
-                    </a:rPr>
-                    <m:t>−1−</m:t>
-                  </m:r>
-                  <m:r>
-                    <a:rPr>
-                      <a:latin typeface="Cambria Math" panose="02040503050406030204" pitchFamily="18" charset="0"/>
-                    </a:rPr>
-                    <m:t>𝑀𝑜𝑑𝑢𝑙𝑒</m:t>
-                  </m:r>
-                </m:oMath>
-              </m:oMathPara>
-            </a14:m>
-            <a:endParaRPr/>
-          </a:p>
-        </p:txBody>
-      </p:sp>
+      <mc:AlternateContent xmlns:mc="http://schemas.openxmlformats.org/markup-compatibility/2006">
+        <mc:Choice xmlns:a14="http://schemas.microsoft.com/office/drawing/2010/main" Requires="a14">
+          <p:sp>
+            <p:nvSpPr>
+              <p:cNvPr id="3" name="Content Placeholder 2"/>
+              <p:cNvSpPr>
+                <a:spLocks noGrp="1"/>
+              </p:cNvSpPr>
+              <p:nvPr>
+                <p:ph idx="1"/>
+              </p:nvPr>
+            </p:nvSpPr>
+            <p:spPr/>
+            <p:txBody>
+              <a:bodyPr/>
+              <a:lstStyle/>
+              <a:p>
+                <a:pPr lvl="0" indent="0" marL="0">
+                  <a:buNone/>
+                </a:pPr>
+                <a14:m>
+                  <m:oMath xmlns:m="http://schemas.openxmlformats.org/officeDocument/2006/math">
+                    <m:r>
+                      <m:t>E</m:t>
+                    </m:r>
+                    <m:r>
+                      <m:t>n</m:t>
+                    </m:r>
+                    <m:r>
+                      <m:t>d</m:t>
+                    </m:r>
+                    <m:r>
+                      <m:rPr>
+                        <m:sty m:val="p"/>
+                      </m:rPr>
+                      <m:t>−</m:t>
+                    </m:r>
+                    <m:r>
+                      <m:t>O</m:t>
+                    </m:r>
+                    <m:r>
+                      <m:t>f</m:t>
+                    </m:r>
+                    <m:r>
+                      <m:rPr>
+                        <m:sty m:val="p"/>
+                      </m:rPr>
+                      <m:t>−</m:t>
+                    </m:r>
+                    <m:r>
+                      <m:t>W</m:t>
+                    </m:r>
+                    <m:r>
+                      <m:t>e</m:t>
+                    </m:r>
+                    <m:r>
+                      <m:t>e</m:t>
+                    </m:r>
+                    <m:r>
+                      <m:t>k</m:t>
+                    </m:r>
+                    <m:r>
+                      <m:rPr>
+                        <m:sty m:val="p"/>
+                      </m:rPr>
+                      <m:t>−</m:t>
+                    </m:r>
+                    <m:r>
+                      <m:t>1</m:t>
+                    </m:r>
+                    <m:r>
+                      <m:rPr>
+                        <m:sty m:val="p"/>
+                      </m:rPr>
+                      <m:t>−</m:t>
+                    </m:r>
+                    <m:r>
+                      <m:t>M</m:t>
+                    </m:r>
+                    <m:r>
+                      <m:t>o</m:t>
+                    </m:r>
+                    <m:r>
+                      <m:t>d</m:t>
+                    </m:r>
+                    <m:r>
+                      <m:t>u</m:t>
+                    </m:r>
+                    <m:r>
+                      <m:t>l</m:t>
+                    </m:r>
+                    <m:r>
+                      <m:t>e</m:t>
+                    </m:r>
+                  </m:oMath>
+                </a14:m>
+              </a:p>
+            </p:txBody>
+          </p:sp>
+        </mc:Choice>
+      </mc:AlternateContent>
     </p:spTree>
   </p:cSld>
-  <p:clrMapOvr>
-    <a:masterClrMapping/>
-  </p:clrMapOvr>
 </p:sld>
 </file>
 
@@ -3598,10 +3622,11 @@
           <a:bodyPr/>
           <a:lstStyle/>
           <a:p>
-            <a:pPr marL="0" lvl="0" indent="0">
+            <a:pPr lvl="0" indent="0" marL="0">
               <a:buNone/>
             </a:pPr>
             <a:r>
+              <a:rPr/>
               <a:t>CE103 Algorithms and Programming I</a:t>
             </a:r>
           </a:p>
@@ -3622,7 +3647,7 @@
           <a:bodyPr/>
           <a:lstStyle/>
           <a:p>
-            <a:pPr marL="0" lvl="0" indent="0">
+            <a:pPr lvl="0" indent="0" marL="0">
               <a:spcBef>
                 <a:spcPts val="3000"/>
               </a:spcBef>
@@ -3634,7 +3659,7 @@
             </a:r>
           </a:p>
           <a:p>
-            <a:pPr marL="0" lvl="0" indent="0">
+            <a:pPr lvl="0" indent="0" marL="0">
               <a:spcBef>
                 <a:spcPts val="3000"/>
               </a:spcBef>
@@ -3646,10 +3671,11 @@
             </a:r>
           </a:p>
           <a:p>
-            <a:pPr marL="0" lvl="0" indent="0">
+            <a:pPr lvl="0" indent="0" marL="0">
               <a:buNone/>
             </a:pPr>
             <a:r>
+              <a:rPr/>
               <a:t>Download </a:t>
             </a:r>
             <a:r>
@@ -3659,6 +3685,7 @@
               <a:t>DOC</a:t>
             </a:r>
             <a:r>
+              <a:rPr/>
               <a:t>, </a:t>
             </a:r>
             <a:r>
@@ -3668,6 +3695,7 @@
               <a:t>SLIDE</a:t>
             </a:r>
             <a:r>
+              <a:rPr/>
               <a:t>, </a:t>
             </a:r>
             <a:r>
@@ -3681,9 +3709,6 @@
       </p:sp>
     </p:spTree>
   </p:cSld>
-  <p:clrMapOvr>
-    <a:masterClrMapping/>
-  </p:clrMapOvr>
 </p:sld>
 </file>
 
@@ -3719,7 +3744,7 @@
           <a:bodyPr/>
           <a:lstStyle/>
           <a:p>
-            <a:pPr marL="0" lvl="0" indent="0">
+            <a:pPr lvl="0" indent="0" marL="0">
               <a:spcBef>
                 <a:spcPts val="3000"/>
               </a:spcBef>
@@ -3733,12 +3758,14 @@
           <a:p>
             <a:pPr lvl="0"/>
             <a:r>
+              <a:rPr/>
               <a:t>Understanding The Concept of Database and Relational Database</a:t>
             </a:r>
           </a:p>
           <a:p>
             <a:pPr lvl="0"/>
             <a:r>
+              <a:rPr/>
               <a:t>Database Design</a:t>
             </a:r>
           </a:p>
@@ -3746,9 +3773,6 @@
       </p:sp>
     </p:spTree>
   </p:cSld>
-  <p:clrMapOvr>
-    <a:masterClrMapping/>
-  </p:clrMapOvr>
 </p:sld>
 </file>
 
@@ -3784,7 +3808,7 @@
           <a:bodyPr/>
           <a:lstStyle/>
           <a:p>
-            <a:pPr marL="0" lvl="0" indent="0">
+            <a:pPr lvl="0" indent="0" marL="0">
               <a:buNone/>
             </a:pPr>
             <a:r>
@@ -3796,9 +3820,6 @@
       </p:sp>
     </p:spTree>
   </p:cSld>
-  <p:clrMapOvr>
-    <a:masterClrMapping/>
-  </p:clrMapOvr>
 </p:sld>
 </file>
 
@@ -3831,72 +3852,35 @@
         </p:nvSpPr>
         <p:spPr/>
         <p:txBody>
-          <a:bodyPr>
-            <a:normAutofit fontScale="92500" lnSpcReduction="10000"/>
-          </a:bodyPr>
-          <a:lstStyle/>
-          <a:p>
-            <a:pPr marL="0" lvl="0" indent="0">
+          <a:bodyPr/>
+          <a:lstStyle/>
+          <a:p>
+            <a:pPr lvl="0" indent="0" marL="0">
               <a:spcBef>
                 <a:spcPts val="3000"/>
               </a:spcBef>
               <a:buNone/>
             </a:pPr>
             <a:r>
-              <a:rPr b="1" dirty="0"/>
+              <a:rPr b="1"/>
               <a:t>Database</a:t>
             </a:r>
           </a:p>
           <a:p>
             <a:pPr lvl="0"/>
             <a:r>
-              <a:rPr b="1" dirty="0"/>
+              <a:rPr b="1"/>
               <a:t>What is Database?</a:t>
             </a:r>
             <a:r>
-              <a:rPr dirty="0"/>
-              <a:t> </a:t>
-            </a:r>
-            <a:endParaRPr lang="tr-TR" dirty="0"/>
-          </a:p>
-          <a:p>
-            <a:pPr lvl="0"/>
-            <a:r>
-              <a:rPr dirty="0"/>
-              <a:t>1-) Database is a regular collection of information.</a:t>
-            </a:r>
-            <a:endParaRPr lang="tr-TR" dirty="0"/>
-          </a:p>
-          <a:p>
-            <a:pPr lvl="0"/>
-            <a:r>
-              <a:rPr dirty="0"/>
-              <a:t> 2-) Database is regular data stored in a computer environment. </a:t>
-            </a:r>
-            <a:endParaRPr lang="tr-TR" dirty="0"/>
-          </a:p>
-          <a:p>
-            <a:pPr lvl="0"/>
-            <a:r>
-              <a:rPr dirty="0"/>
-              <a:t>3-) Systematic access in computer terminology capable, manageable, updateable, portable, defined relationships between each other is a set of available information. </a:t>
-            </a:r>
-            <a:endParaRPr lang="tr-TR" dirty="0"/>
-          </a:p>
-          <a:p>
-            <a:pPr lvl="0"/>
-            <a:r>
-              <a:rPr dirty="0"/>
-              <a:t>4-) Systematically stored on the computer, It is a chunk of data that can be processed in programs.</a:t>
+              <a:rPr/>
+              <a:t> 1-) Database is a regular collection of information. 2-) Database is regular data stored in a computer environment. 3-) Systematic access in computer terminology capable, manageable, updateable, portable, defined relationships between each other is a set of available information. 4-) Systematically stored on the computer, It is a chunk of data that can be processed in programs.</a:t>
             </a:r>
           </a:p>
         </p:txBody>
       </p:sp>
     </p:spTree>
   </p:cSld>
-  <p:clrMapOvr>
-    <a:masterClrMapping/>
-  </p:clrMapOvr>
 </p:sld>
 </file>
 
@@ -3924,40 +3908,38 @@
             <a:spLocks noGrp="1"/>
           </p:cNvSpPr>
           <p:nvPr>
-            <p:ph type="body" sz="half" idx="2"/>
-          </p:nvPr>
-        </p:nvSpPr>
-        <p:spPr/>
-        <p:txBody>
-          <a:bodyPr>
-            <a:normAutofit/>
-          </a:bodyPr>
-          <a:lstStyle/>
-          <a:p>
-            <a:pPr marL="0" lvl="0" indent="0">
+            <p:ph idx="2" sz="half" type="body"/>
+          </p:nvPr>
+        </p:nvSpPr>
+        <p:spPr/>
+        <p:txBody>
+          <a:bodyPr/>
+          <a:lstStyle/>
+          <a:p>
+            <a:pPr lvl="0" indent="0" marL="0">
               <a:spcBef>
                 <a:spcPts val="3000"/>
               </a:spcBef>
               <a:buNone/>
             </a:pPr>
             <a:r>
-              <a:rPr sz="2000" b="1" dirty="0"/>
+              <a:rPr b="1"/>
               <a:t>DBMS</a:t>
             </a:r>
           </a:p>
           <a:p>
             <a:pPr lvl="0"/>
             <a:r>
-              <a:rPr sz="2000" b="1" dirty="0"/>
+              <a:rPr b="1"/>
               <a:t>What is the Database Management System-DBMS</a:t>
             </a:r>
           </a:p>
           <a:p>
-            <a:pPr marL="0" lvl="0" indent="0">
+            <a:pPr lvl="0" indent="0" marL="0">
               <a:buNone/>
             </a:pPr>
             <a:r>
-              <a:rPr sz="2000" dirty="0"/>
+              <a:rPr/>
               <a:t>Defining and creating a database, to keep alive and audited to the database used to gain access software system.</a:t>
             </a:r>
           </a:p>
@@ -3965,7 +3947,7 @@
       </p:sp>
       <p:pic>
         <p:nvPicPr>
-          <p:cNvPr id="2" name="Picture 1" descr="fig:  assets/What-is-DBMS-Database-Management-System.webp"/>
+          <p:cNvPr descr="fig:  assets/What-is-DBMS-Database-Management-System.webp" id="0" name="Picture 1"/>
           <p:cNvPicPr>
             <a:picLocks noGrp="1" noChangeAspect="1"/>
           </p:cNvPicPr>
@@ -3995,7 +3977,7 @@
       </p:pic>
       <p:sp>
         <p:nvSpPr>
-          <p:cNvPr id="3" name="TextBox 3"/>
+          <p:cNvPr id="1" name="TextBox 3"/>
           <p:cNvSpPr txBox="1"/>
           <p:nvPr/>
         </p:nvSpPr>
@@ -4013,18 +3995,18 @@
           <a:bodyPr/>
           <a:lstStyle/>
           <a:p>
-            <a:pPr marL="0" lvl="0" indent="0" algn="ctr">
+            <a:pPr lvl="0" indent="0" marL="0" algn="ctr">
               <a:buNone/>
             </a:pPr>
-            <a:endParaRPr dirty="0"/>
+            <a:r>
+              <a:rPr/>
+              <a:t>bg right:50% h:300px</a:t>
+            </a:r>
           </a:p>
         </p:txBody>
       </p:sp>
     </p:spTree>
   </p:cSld>
-  <p:clrMapOvr>
-    <a:masterClrMapping/>
-  </p:clrMapOvr>
 </p:sld>
 </file>
 
@@ -4052,40 +4034,38 @@
             <a:spLocks noGrp="1"/>
           </p:cNvSpPr>
           <p:nvPr>
-            <p:ph type="body" sz="half" idx="2"/>
-          </p:nvPr>
-        </p:nvSpPr>
-        <p:spPr/>
-        <p:txBody>
-          <a:bodyPr>
-            <a:noAutofit/>
-          </a:bodyPr>
-          <a:lstStyle/>
-          <a:p>
-            <a:pPr marL="0" lvl="0" indent="0">
+            <p:ph idx="2" sz="half" type="body"/>
+          </p:nvPr>
+        </p:nvSpPr>
+        <p:spPr/>
+        <p:txBody>
+          <a:bodyPr/>
+          <a:lstStyle/>
+          <a:p>
+            <a:pPr lvl="0" indent="0" marL="0">
               <a:spcBef>
                 <a:spcPts val="3000"/>
               </a:spcBef>
               <a:buNone/>
             </a:pPr>
             <a:r>
-              <a:rPr sz="2400" b="1" dirty="0"/>
+              <a:rPr b="1"/>
               <a:t>DBMS</a:t>
             </a:r>
           </a:p>
           <a:p>
             <a:pPr lvl="0"/>
             <a:r>
-              <a:rPr sz="2400" b="1" dirty="0"/>
+              <a:rPr b="1"/>
               <a:t>Database systems contain the following information</a:t>
             </a:r>
           </a:p>
           <a:p>
-            <a:pPr marL="0" lvl="0" indent="0">
+            <a:pPr lvl="0" indent="0" marL="0">
               <a:buNone/>
             </a:pPr>
             <a:r>
-              <a:rPr sz="2400" dirty="0"/>
+              <a:rPr/>
               <a:t>Collection of interrelated data The set of software required to access the data</a:t>
             </a:r>
           </a:p>
@@ -4093,7 +4073,7 @@
       </p:sp>
       <p:pic>
         <p:nvPicPr>
-          <p:cNvPr id="2" name="Picture 1" descr="fig:  assets/DBMS-2.png"/>
+          <p:cNvPr descr="fig:  assets/DBMS-2.png" id="0" name="Picture 1"/>
           <p:cNvPicPr>
             <a:picLocks noGrp="1" noChangeAspect="1"/>
           </p:cNvPicPr>
@@ -4123,7 +4103,7 @@
       </p:pic>
       <p:sp>
         <p:nvSpPr>
-          <p:cNvPr id="3" name="TextBox 3"/>
+          <p:cNvPr id="1" name="TextBox 3"/>
           <p:cNvSpPr txBox="1"/>
           <p:nvPr/>
         </p:nvSpPr>
@@ -4141,10 +4121,11 @@
           <a:bodyPr/>
           <a:lstStyle/>
           <a:p>
-            <a:pPr marL="0" lvl="0" indent="0" algn="ctr">
+            <a:pPr lvl="0" indent="0" marL="0" algn="ctr">
               <a:buNone/>
             </a:pPr>
             <a:r>
+              <a:rPr/>
               <a:t>bg right:50% h:400px</a:t>
             </a:r>
           </a:p>
@@ -4152,9 +4133,6 @@
       </p:sp>
     </p:spTree>
   </p:cSld>
-  <p:clrMapOvr>
-    <a:masterClrMapping/>
-  </p:clrMapOvr>
 </p:sld>
 </file>
 
@@ -4190,7 +4168,7 @@
           <a:bodyPr/>
           <a:lstStyle/>
           <a:p>
-            <a:pPr marL="0" lvl="0" indent="0">
+            <a:pPr lvl="0" indent="0" marL="0">
               <a:spcBef>
                 <a:spcPts val="3000"/>
               </a:spcBef>
@@ -4208,6 +4186,7 @@
               <a:t>Advantages of Database Systems</a:t>
             </a:r>
             <a:r>
+              <a:rPr/>
               <a:t> Database Systems prevents duplication of data. Establishing relationships between database systems and subsystems and many In practice, it requires data to be designed jointly within the same database.</a:t>
             </a:r>
           </a:p>
@@ -4215,9 +4194,6 @@
       </p:sp>
     </p:spTree>
   </p:cSld>
-  <p:clrMapOvr>
-    <a:masterClrMapping/>
-  </p:clrMapOvr>
 </p:sld>
 </file>
 
@@ -4253,7 +4229,7 @@
           <a:bodyPr/>
           <a:lstStyle/>
           <a:p>
-            <a:pPr marL="0" lvl="0" indent="0">
+            <a:pPr lvl="0" indent="0" marL="0">
               <a:spcBef>
                 <a:spcPts val="3000"/>
               </a:spcBef>
@@ -4271,6 +4247,7 @@
               <a:t>Advantages of Database Systems</a:t>
             </a:r>
             <a:r>
+              <a:rPr/>
               <a:t> Database Systems ensures that the data is consistent. Data integrity, the accuracy and consistency of the data means. By placing constraints on data entries, only the desired range can be entered.</a:t>
             </a:r>
           </a:p>
@@ -4278,9 +4255,6 @@
       </p:sp>
     </p:spTree>
   </p:cSld>
-  <p:clrMapOvr>
-    <a:masterClrMapping/>
-  </p:clrMapOvr>
 </p:sld>
 </file>
 
@@ -4602,4 +4576,265 @@
   </a:objectDefaults>
   <a:extraClrSchemeLst/>
 </a:theme>
+</file>
+
+<file path=ppt/theme/theme2.xml><?xml version="1.0" encoding="utf-8"?>
+<a:theme xmlns:a="http://schemas.openxmlformats.org/drawingml/2006/main" name="Office Theme">
+  <a:themeElements>
+    <a:clrScheme name="Office">
+      <a:dk1>
+        <a:sysClr val="windowText" lastClr="000000"/>
+      </a:dk1>
+      <a:lt1>
+        <a:sysClr val="window" lastClr="FFFFFF"/>
+      </a:lt1>
+      <a:dk2>
+        <a:srgbClr val="44546A"/>
+      </a:dk2>
+      <a:lt2>
+        <a:srgbClr val="E7E6E6"/>
+      </a:lt2>
+      <a:accent1>
+        <a:srgbClr val="5B9BD5"/>
+      </a:accent1>
+      <a:accent2>
+        <a:srgbClr val="ED7D31"/>
+      </a:accent2>
+      <a:accent3>
+        <a:srgbClr val="A5A5A5"/>
+      </a:accent3>
+      <a:accent4>
+        <a:srgbClr val="FFC000"/>
+      </a:accent4>
+      <a:accent5>
+        <a:srgbClr val="4472C4"/>
+      </a:accent5>
+      <a:accent6>
+        <a:srgbClr val="70AD47"/>
+      </a:accent6>
+      <a:hlink>
+        <a:srgbClr val="0563C1"/>
+      </a:hlink>
+      <a:folHlink>
+        <a:srgbClr val="954F72"/>
+      </a:folHlink>
+    </a:clrScheme>
+    <a:fontScheme name="Office">
+      <a:majorFont>
+        <a:latin typeface="Calibri Light" panose="020F0302020204030204"/>
+        <a:ea typeface=""/>
+        <a:cs typeface=""/>
+        <a:font script="Jpan" typeface="ＭＳ Ｐゴシック"/>
+        <a:font script="Hang" typeface="맑은 고딕"/>
+        <a:font script="Hans" typeface="宋体"/>
+        <a:font script="Hant" typeface="新細明體"/>
+        <a:font script="Arab" typeface="Times New Roman"/>
+        <a:font script="Hebr" typeface="Times New Roman"/>
+        <a:font script="Thai" typeface="Angsana New"/>
+        <a:font script="Ethi" typeface="Nyala"/>
+        <a:font script="Beng" typeface="Vrinda"/>
+        <a:font script="Gujr" typeface="Shruti"/>
+        <a:font script="Khmr" typeface="MoolBoran"/>
+        <a:font script="Knda" typeface="Tunga"/>
+        <a:font script="Guru" typeface="Raavi"/>
+        <a:font script="Cans" typeface="Euphemia"/>
+        <a:font script="Cher" typeface="Plantagenet Cherokee"/>
+        <a:font script="Yiii" typeface="Microsoft Yi Baiti"/>
+        <a:font script="Tibt" typeface="Microsoft Himalaya"/>
+        <a:font script="Thaa" typeface="MV Boli"/>
+        <a:font script="Deva" typeface="Mangal"/>
+        <a:font script="Telu" typeface="Gautami"/>
+        <a:font script="Taml" typeface="Latha"/>
+        <a:font script="Syrc" typeface="Estrangelo Edessa"/>
+        <a:font script="Orya" typeface="Kalinga"/>
+        <a:font script="Mlym" typeface="Kartika"/>
+        <a:font script="Laoo" typeface="DokChampa"/>
+        <a:font script="Sinh" typeface="Iskoola Pota"/>
+        <a:font script="Mong" typeface="Mongolian Baiti"/>
+        <a:font script="Viet" typeface="Times New Roman"/>
+        <a:font script="Uigh" typeface="Microsoft Uighur"/>
+        <a:font script="Geor" typeface="Sylfaen"/>
+      </a:majorFont>
+      <a:minorFont>
+        <a:latin typeface="Calibri" panose="020F0502020204030204"/>
+        <a:ea typeface=""/>
+        <a:cs typeface=""/>
+        <a:font script="Jpan" typeface="ＭＳ Ｐゴシック"/>
+        <a:font script="Hang" typeface="맑은 고딕"/>
+        <a:font script="Hans" typeface="宋体"/>
+        <a:font script="Hant" typeface="新細明體"/>
+        <a:font script="Arab" typeface="Arial"/>
+        <a:font script="Hebr" typeface="Arial"/>
+        <a:font script="Thai" typeface="Cordia New"/>
+        <a:font script="Ethi" typeface="Nyala"/>
+        <a:font script="Beng" typeface="Vrinda"/>
+        <a:font script="Gujr" typeface="Shruti"/>
+        <a:font script="Khmr" typeface="DaunPenh"/>
+        <a:font script="Knda" typeface="Tunga"/>
+        <a:font script="Guru" typeface="Raavi"/>
+        <a:font script="Cans" typeface="Euphemia"/>
+        <a:font script="Cher" typeface="Plantagenet Cherokee"/>
+        <a:font script="Yiii" typeface="Microsoft Yi Baiti"/>
+        <a:font script="Tibt" typeface="Microsoft Himalaya"/>
+        <a:font script="Thaa" typeface="MV Boli"/>
+        <a:font script="Deva" typeface="Mangal"/>
+        <a:font script="Telu" typeface="Gautami"/>
+        <a:font script="Taml" typeface="Latha"/>
+        <a:font script="Syrc" typeface="Estrangelo Edessa"/>
+        <a:font script="Orya" typeface="Kalinga"/>
+        <a:font script="Mlym" typeface="Kartika"/>
+        <a:font script="Laoo" typeface="DokChampa"/>
+        <a:font script="Sinh" typeface="Iskoola Pota"/>
+        <a:font script="Mong" typeface="Mongolian Baiti"/>
+        <a:font script="Viet" typeface="Arial"/>
+        <a:font script="Uigh" typeface="Microsoft Uighur"/>
+        <a:font script="Geor" typeface="Sylfaen"/>
+      </a:minorFont>
+    </a:fontScheme>
+    <a:fmtScheme name="Office">
+      <a:fillStyleLst>
+        <a:solidFill>
+          <a:schemeClr val="phClr"/>
+        </a:solidFill>
+        <a:gradFill rotWithShape="1">
+          <a:gsLst>
+            <a:gs pos="0">
+              <a:schemeClr val="phClr">
+                <a:lumMod val="110000"/>
+                <a:satMod val="105000"/>
+                <a:tint val="67000"/>
+              </a:schemeClr>
+            </a:gs>
+            <a:gs pos="50000">
+              <a:schemeClr val="phClr">
+                <a:lumMod val="105000"/>
+                <a:satMod val="103000"/>
+                <a:tint val="73000"/>
+              </a:schemeClr>
+            </a:gs>
+            <a:gs pos="100000">
+              <a:schemeClr val="phClr">
+                <a:lumMod val="105000"/>
+                <a:satMod val="109000"/>
+                <a:tint val="81000"/>
+              </a:schemeClr>
+            </a:gs>
+          </a:gsLst>
+          <a:lin ang="5400000" scaled="0"/>
+        </a:gradFill>
+        <a:gradFill rotWithShape="1">
+          <a:gsLst>
+            <a:gs pos="0">
+              <a:schemeClr val="phClr">
+                <a:satMod val="103000"/>
+                <a:lumMod val="102000"/>
+                <a:tint val="94000"/>
+              </a:schemeClr>
+            </a:gs>
+            <a:gs pos="50000">
+              <a:schemeClr val="phClr">
+                <a:satMod val="110000"/>
+                <a:lumMod val="100000"/>
+                <a:shade val="100000"/>
+              </a:schemeClr>
+            </a:gs>
+            <a:gs pos="100000">
+              <a:schemeClr val="phClr">
+                <a:lumMod val="99000"/>
+                <a:satMod val="120000"/>
+                <a:shade val="78000"/>
+              </a:schemeClr>
+            </a:gs>
+          </a:gsLst>
+          <a:lin ang="5400000" scaled="0"/>
+        </a:gradFill>
+      </a:fillStyleLst>
+      <a:lnStyleLst>
+        <a:ln w="6350" cap="flat" cmpd="sng" algn="ctr">
+          <a:solidFill>
+            <a:schemeClr val="phClr"/>
+          </a:solidFill>
+          <a:prstDash val="solid"/>
+          <a:miter lim="800000"/>
+        </a:ln>
+        <a:ln w="12700" cap="flat" cmpd="sng" algn="ctr">
+          <a:solidFill>
+            <a:schemeClr val="phClr"/>
+          </a:solidFill>
+          <a:prstDash val="solid"/>
+          <a:miter lim="800000"/>
+        </a:ln>
+        <a:ln w="19050" cap="flat" cmpd="sng" algn="ctr">
+          <a:solidFill>
+            <a:schemeClr val="phClr"/>
+          </a:solidFill>
+          <a:prstDash val="solid"/>
+          <a:miter lim="800000"/>
+        </a:ln>
+      </a:lnStyleLst>
+      <a:effectStyleLst>
+        <a:effectStyle>
+          <a:effectLst/>
+        </a:effectStyle>
+        <a:effectStyle>
+          <a:effectLst/>
+        </a:effectStyle>
+        <a:effectStyle>
+          <a:effectLst>
+            <a:outerShdw blurRad="57150" dist="19050" dir="5400000" algn="ctr" rotWithShape="0">
+              <a:srgbClr val="000000">
+                <a:alpha val="63000"/>
+              </a:srgbClr>
+            </a:outerShdw>
+          </a:effectLst>
+        </a:effectStyle>
+      </a:effectStyleLst>
+      <a:bgFillStyleLst>
+        <a:solidFill>
+          <a:schemeClr val="phClr"/>
+        </a:solidFill>
+        <a:solidFill>
+          <a:schemeClr val="phClr">
+            <a:tint val="95000"/>
+            <a:satMod val="170000"/>
+          </a:schemeClr>
+        </a:solidFill>
+        <a:gradFill rotWithShape="1">
+          <a:gsLst>
+            <a:gs pos="0">
+              <a:schemeClr val="phClr">
+                <a:tint val="93000"/>
+                <a:satMod val="150000"/>
+                <a:shade val="98000"/>
+                <a:lumMod val="102000"/>
+              </a:schemeClr>
+            </a:gs>
+            <a:gs pos="50000">
+              <a:schemeClr val="phClr">
+                <a:tint val="98000"/>
+                <a:satMod val="130000"/>
+                <a:shade val="90000"/>
+                <a:lumMod val="103000"/>
+              </a:schemeClr>
+            </a:gs>
+            <a:gs pos="100000">
+              <a:schemeClr val="phClr">
+                <a:shade val="63000"/>
+                <a:satMod val="120000"/>
+              </a:schemeClr>
+            </a:gs>
+          </a:gsLst>
+          <a:lin ang="5400000" scaled="0"/>
+        </a:gradFill>
+      </a:bgFillStyleLst>
+    </a:fmtScheme>
+  </a:themeElements>
+  <a:objectDefaults/>
+  <a:extraClrSchemeLst/>
+  <a:extLst>
+    <a:ext uri="{05A4C25C-085E-4340-85A3-A5531E510DB2}">
+      <thm15:themeFamily xmlns:thm15="http://schemas.microsoft.com/office/thememl/2012/main" name="Office Theme" id="{62F939B6-93AF-4DB8-9C6B-D6C7DFDC589F}" vid="{4A3C46E8-61CC-4603-A589-7422A47A8E4A}"/>
+    </a:ext>
+  </a:extLst>
+</a:theme>
 </file>